--- a/04 Tableau Workbooks/DV_FinalProject.pptx
+++ b/04 Tableau Workbooks/DV_FinalProject.pptx
@@ -4232,11 +4232,6 @@
               </a:rPr>
               <a:t>Canadian Graduation,     Employment, </a:t>
             </a:r>
-            <a:endParaRPr lang="en-US" sz="2400" dirty="0" smtClean="0">
-              <a:solidFill>
-                <a:schemeClr val="bg1"/>
-              </a:solidFill>
-            </a:endParaRPr>
           </a:p>
           <a:p>
             <a:r>
@@ -4247,11 +4242,6 @@
               </a:rPr>
               <a:t>Debt </a:t>
             </a:r>
-            <a:endParaRPr lang="en-US" sz="2400" dirty="0" smtClean="0">
-              <a:solidFill>
-                <a:schemeClr val="bg1"/>
-              </a:solidFill>
-            </a:endParaRPr>
           </a:p>
           <a:p>
             <a:r>
@@ -4260,15 +4250,7 @@
                   <a:schemeClr val="bg1"/>
                 </a:solidFill>
               </a:rPr>
-              <a:t>and </a:t>
-            </a:r>
-            <a:r>
-              <a:rPr lang="en-US" sz="2400" dirty="0" smtClean="0">
-                <a:solidFill>
-                  <a:schemeClr val="bg1"/>
-                </a:solidFill>
-              </a:rPr>
-              <a:t>Earnings</a:t>
+              <a:t>and Earnings</a:t>
             </a:r>
             <a:endParaRPr lang="en-US" sz="2400" dirty="0">
               <a:solidFill>
@@ -4715,6 +4697,169 @@
               <a:t>Questions</a:t>
             </a:r>
             <a:endParaRPr lang="en-US" dirty="0">
+              <a:solidFill>
+                <a:srgbClr val="C42321"/>
+              </a:solidFill>
+            </a:endParaRPr>
+          </a:p>
+        </p:txBody>
+      </p:sp>
+      <p:sp>
+        <p:nvSpPr>
+          <p:cNvPr id="2" name="TextBox 1"/>
+          <p:cNvSpPr txBox="1"/>
+          <p:nvPr/>
+        </p:nvSpPr>
+        <p:spPr>
+          <a:xfrm>
+            <a:off x="138544" y="1627909"/>
+            <a:ext cx="8855365" cy="4185762"/>
+          </a:xfrm>
+          <a:prstGeom prst="rect">
+            <a:avLst/>
+          </a:prstGeom>
+          <a:noFill/>
+        </p:spPr>
+        <p:txBody>
+          <a:bodyPr wrap="square" rtlCol="0">
+            <a:spAutoFit/>
+          </a:bodyPr>
+          <a:lstStyle/>
+          <a:p>
+            <a:pPr marL="285750" indent="-285750">
+              <a:buSzPct val="100000"/>
+              <a:buBlip>
+                <a:blip r:embed="rId2"/>
+              </a:buBlip>
+            </a:pPr>
+            <a:endParaRPr lang="en-US" dirty="0" smtClean="0"/>
+          </a:p>
+          <a:p>
+            <a:pPr marL="285750" indent="-285750">
+              <a:buSzPct val="100000"/>
+              <a:buBlip>
+                <a:blip r:embed="rId2"/>
+              </a:buBlip>
+            </a:pPr>
+            <a:r>
+              <a:rPr lang="en-US" sz="2800" dirty="0" smtClean="0">
+                <a:solidFill>
+                  <a:srgbClr val="C42321"/>
+                </a:solidFill>
+              </a:rPr>
+              <a:t>?</a:t>
+            </a:r>
+          </a:p>
+          <a:p>
+            <a:pPr marL="285750" indent="-285750">
+              <a:buSzPct val="100000"/>
+              <a:buBlip>
+                <a:blip r:embed="rId2"/>
+              </a:buBlip>
+            </a:pPr>
+            <a:endParaRPr lang="en-US" sz="2800" dirty="0">
+              <a:solidFill>
+                <a:srgbClr val="C42321"/>
+              </a:solidFill>
+            </a:endParaRPr>
+          </a:p>
+          <a:p>
+            <a:pPr marL="285750" indent="-285750">
+              <a:buSzPct val="100000"/>
+              <a:buBlip>
+                <a:blip r:embed="rId2"/>
+              </a:buBlip>
+            </a:pPr>
+            <a:endParaRPr lang="en-US" sz="2800" dirty="0" smtClean="0">
+              <a:solidFill>
+                <a:srgbClr val="C42321"/>
+              </a:solidFill>
+            </a:endParaRPr>
+          </a:p>
+          <a:p>
+            <a:pPr marL="285750" indent="-285750">
+              <a:buSzPct val="100000"/>
+              <a:buBlip>
+                <a:blip r:embed="rId2"/>
+              </a:buBlip>
+            </a:pPr>
+            <a:endParaRPr lang="en-US" sz="2800" dirty="0">
+              <a:solidFill>
+                <a:srgbClr val="C42321"/>
+              </a:solidFill>
+            </a:endParaRPr>
+          </a:p>
+          <a:p>
+            <a:pPr marL="285750" indent="-285750">
+              <a:buSzPct val="100000"/>
+              <a:buBlip>
+                <a:blip r:embed="rId2"/>
+              </a:buBlip>
+            </a:pPr>
+            <a:r>
+              <a:rPr lang="en-US" sz="2800" dirty="0" smtClean="0">
+                <a:solidFill>
+                  <a:srgbClr val="C42321"/>
+                </a:solidFill>
+              </a:rPr>
+              <a:t>?</a:t>
+            </a:r>
+          </a:p>
+          <a:p>
+            <a:pPr marL="285750" indent="-285750">
+              <a:buSzPct val="100000"/>
+              <a:buBlip>
+                <a:blip r:embed="rId2"/>
+              </a:buBlip>
+            </a:pPr>
+            <a:endParaRPr lang="en-US" sz="2800" dirty="0">
+              <a:solidFill>
+                <a:srgbClr val="C42321"/>
+              </a:solidFill>
+            </a:endParaRPr>
+          </a:p>
+          <a:p>
+            <a:pPr marL="285750" indent="-285750">
+              <a:buSzPct val="100000"/>
+              <a:buBlip>
+                <a:blip r:embed="rId2"/>
+              </a:buBlip>
+            </a:pPr>
+            <a:endParaRPr lang="en-US" sz="2800" dirty="0" smtClean="0">
+              <a:solidFill>
+                <a:srgbClr val="C42321"/>
+              </a:solidFill>
+            </a:endParaRPr>
+          </a:p>
+          <a:p>
+            <a:pPr marL="285750" indent="-285750">
+              <a:buSzPct val="100000"/>
+              <a:buBlip>
+                <a:blip r:embed="rId2"/>
+              </a:buBlip>
+            </a:pPr>
+            <a:r>
+              <a:rPr lang="en-US" sz="2800">
+                <a:solidFill>
+                  <a:srgbClr val="C42321"/>
+                </a:solidFill>
+              </a:rPr>
+              <a:t>?</a:t>
+            </a:r>
+            <a:endParaRPr lang="en-US" sz="2800" dirty="0" smtClean="0">
+              <a:solidFill>
+                <a:srgbClr val="C42321"/>
+              </a:solidFill>
+            </a:endParaRPr>
+          </a:p>
+          <a:p>
+            <a:pPr marL="285750" indent="-285750">
+              <a:buSzPct val="100000"/>
+              <a:buBlip>
+                <a:blip r:embed="rId2"/>
+              </a:buBlip>
+            </a:pPr>
+            <a:endParaRPr lang="en-US" sz="2400" dirty="0">
               <a:solidFill>
                 <a:srgbClr val="C42321"/>
               </a:solidFill>

--- a/04 Tableau Workbooks/DV_FinalProject.pptx
+++ b/04 Tableau Workbooks/DV_FinalProject.pptx
@@ -5,23 +5,30 @@
     <p:sldMasterId id="2147483648" r:id="rId1"/>
   </p:sldMasterIdLst>
   <p:notesMasterIdLst>
-    <p:notesMasterId r:id="rId16"/>
+    <p:notesMasterId r:id="rId23"/>
   </p:notesMasterIdLst>
   <p:sldIdLst>
     <p:sldId id="257" r:id="rId2"/>
     <p:sldId id="268" r:id="rId3"/>
-    <p:sldId id="258" r:id="rId4"/>
-    <p:sldId id="259" r:id="rId5"/>
-    <p:sldId id="260" r:id="rId6"/>
-    <p:sldId id="261" r:id="rId7"/>
-    <p:sldId id="262" r:id="rId8"/>
-    <p:sldId id="263" r:id="rId9"/>
-    <p:sldId id="265" r:id="rId10"/>
-    <p:sldId id="266" r:id="rId11"/>
-    <p:sldId id="267" r:id="rId12"/>
-    <p:sldId id="264" r:id="rId13"/>
-    <p:sldId id="269" r:id="rId14"/>
-    <p:sldId id="270" r:id="rId15"/>
+    <p:sldId id="272" r:id="rId4"/>
+    <p:sldId id="271" r:id="rId5"/>
+    <p:sldId id="258" r:id="rId6"/>
+    <p:sldId id="273" r:id="rId7"/>
+    <p:sldId id="259" r:id="rId8"/>
+    <p:sldId id="274" r:id="rId9"/>
+    <p:sldId id="260" r:id="rId10"/>
+    <p:sldId id="275" r:id="rId11"/>
+    <p:sldId id="276" r:id="rId12"/>
+    <p:sldId id="261" r:id="rId13"/>
+    <p:sldId id="277" r:id="rId14"/>
+    <p:sldId id="262" r:id="rId15"/>
+    <p:sldId id="263" r:id="rId16"/>
+    <p:sldId id="265" r:id="rId17"/>
+    <p:sldId id="266" r:id="rId18"/>
+    <p:sldId id="267" r:id="rId19"/>
+    <p:sldId id="264" r:id="rId20"/>
+    <p:sldId id="269" r:id="rId21"/>
+    <p:sldId id="270" r:id="rId22"/>
   </p:sldIdLst>
   <p:sldSz cx="9144000" cy="6858000" type="screen4x3"/>
   <p:notesSz cx="6858000" cy="9144000"/>
@@ -4375,6 +4382,542 @@
       </p:grpSpPr>
       <p:pic>
         <p:nvPicPr>
+          <p:cNvPr id="2" name="Picture 1" descr="Screen Shot 2015-05-13 at 7.50.55 AM.png"/>
+          <p:cNvPicPr>
+            <a:picLocks noChangeAspect="1"/>
+          </p:cNvPicPr>
+          <p:nvPr/>
+        </p:nvPicPr>
+        <p:blipFill rotWithShape="1">
+          <a:blip r:embed="rId2">
+            <a:extLst>
+              <a:ext uri="{28A0092B-C50C-407E-A947-70E740481C1C}">
+                <a14:useLocalDpi xmlns:a14="http://schemas.microsoft.com/office/drawing/2010/main" val="0"/>
+              </a:ext>
+            </a:extLst>
+          </a:blip>
+          <a:srcRect r="52652"/>
+          <a:stretch/>
+        </p:blipFill>
+        <p:spPr>
+          <a:xfrm>
+            <a:off x="1143001" y="1685636"/>
+            <a:ext cx="6771966" cy="4929762"/>
+          </a:xfrm>
+          <a:prstGeom prst="rect">
+            <a:avLst/>
+          </a:prstGeom>
+        </p:spPr>
+      </p:pic>
+      <p:sp>
+        <p:nvSpPr>
+          <p:cNvPr id="3" name="Title 2"/>
+          <p:cNvSpPr>
+            <a:spLocks noGrp="1"/>
+          </p:cNvSpPr>
+          <p:nvPr>
+            <p:ph type="title"/>
+          </p:nvPr>
+        </p:nvSpPr>
+        <p:spPr/>
+        <p:txBody>
+          <a:bodyPr/>
+          <a:lstStyle/>
+          <a:p>
+            <a:r>
+              <a:rPr lang="en-US" sz="2800" dirty="0">
+                <a:solidFill>
+                  <a:srgbClr val="C42321"/>
+                </a:solidFill>
+              </a:rPr>
+              <a:t>Grad Employment, by Rates and </a:t>
+            </a:r>
+            <a:r>
+              <a:rPr lang="en-US" sz="2800" dirty="0" smtClean="0">
+                <a:solidFill>
+                  <a:srgbClr val="C42321"/>
+                </a:solidFill>
+              </a:rPr>
+              <a:t>Percentages dataset</a:t>
+            </a:r>
+            <a:endParaRPr lang="en-US" sz="2800" dirty="0">
+              <a:solidFill>
+                <a:srgbClr val="C42321"/>
+              </a:solidFill>
+            </a:endParaRPr>
+          </a:p>
+        </p:txBody>
+      </p:sp>
+    </p:spTree>
+    <p:extLst>
+      <p:ext uri="{BB962C8B-B14F-4D97-AF65-F5344CB8AC3E}">
+        <p14:creationId xmlns:p14="http://schemas.microsoft.com/office/powerpoint/2010/main" val="1844605257"/>
+      </p:ext>
+    </p:extLst>
+  </p:cSld>
+  <p:clrMapOvr>
+    <a:masterClrMapping/>
+  </p:clrMapOvr>
+</p:sld>
+</file>
+
+<file path=ppt/slides/slide11.xml><?xml version="1.0" encoding="utf-8"?>
+<p:sld xmlns:a="http://schemas.openxmlformats.org/drawingml/2006/main" xmlns:r="http://schemas.openxmlformats.org/officeDocument/2006/relationships" xmlns:p="http://schemas.openxmlformats.org/presentationml/2006/main">
+  <p:cSld>
+    <p:spTree>
+      <p:nvGrpSpPr>
+        <p:cNvPr id="1" name=""/>
+        <p:cNvGrpSpPr/>
+        <p:nvPr/>
+      </p:nvGrpSpPr>
+      <p:grpSpPr>
+        <a:xfrm>
+          <a:off x="0" y="0"/>
+          <a:ext cx="0" cy="0"/>
+          <a:chOff x="0" y="0"/>
+          <a:chExt cx="0" cy="0"/>
+        </a:xfrm>
+      </p:grpSpPr>
+      <p:sp>
+        <p:nvSpPr>
+          <p:cNvPr id="2" name="Title 1"/>
+          <p:cNvSpPr>
+            <a:spLocks noGrp="1"/>
+          </p:cNvSpPr>
+          <p:nvPr>
+            <p:ph type="title"/>
+          </p:nvPr>
+        </p:nvSpPr>
+        <p:spPr/>
+        <p:txBody>
+          <a:bodyPr/>
+          <a:lstStyle/>
+          <a:p>
+            <a:r>
+              <a:rPr lang="en-US" dirty="0">
+                <a:solidFill>
+                  <a:srgbClr val="C42321"/>
+                </a:solidFill>
+              </a:rPr>
+              <a:t>Grad Employment, by Rates and </a:t>
+            </a:r>
+            <a:r>
+              <a:rPr lang="en-US" dirty="0" smtClean="0">
+                <a:solidFill>
+                  <a:srgbClr val="C42321"/>
+                </a:solidFill>
+              </a:rPr>
+              <a:t>Percentages </a:t>
+            </a:r>
+            <a:r>
+              <a:rPr lang="en-US" dirty="0" err="1" smtClean="0">
+                <a:solidFill>
+                  <a:srgbClr val="C42321"/>
+                </a:solidFill>
+              </a:rPr>
+              <a:t>dataframe</a:t>
+            </a:r>
+            <a:endParaRPr lang="en-US" dirty="0">
+              <a:solidFill>
+                <a:srgbClr val="C42321"/>
+              </a:solidFill>
+            </a:endParaRPr>
+          </a:p>
+        </p:txBody>
+      </p:sp>
+      <p:pic>
+        <p:nvPicPr>
+          <p:cNvPr id="3" name="Picture 2" descr="Screen Shot 2015-05-13 at 8.20.58 AM.png"/>
+          <p:cNvPicPr>
+            <a:picLocks noChangeAspect="1"/>
+          </p:cNvPicPr>
+          <p:nvPr/>
+        </p:nvPicPr>
+        <p:blipFill>
+          <a:blip r:embed="rId2">
+            <a:extLst>
+              <a:ext uri="{28A0092B-C50C-407E-A947-70E740481C1C}">
+                <a14:useLocalDpi xmlns:a14="http://schemas.microsoft.com/office/drawing/2010/main" val="0"/>
+              </a:ext>
+            </a:extLst>
+          </a:blip>
+          <a:stretch>
+            <a:fillRect/>
+          </a:stretch>
+        </p:blipFill>
+        <p:spPr>
+          <a:xfrm>
+            <a:off x="381000" y="1722670"/>
+            <a:ext cx="8469005" cy="4855352"/>
+          </a:xfrm>
+          <a:prstGeom prst="rect">
+            <a:avLst/>
+          </a:prstGeom>
+        </p:spPr>
+      </p:pic>
+    </p:spTree>
+    <p:extLst>
+      <p:ext uri="{BB962C8B-B14F-4D97-AF65-F5344CB8AC3E}">
+        <p14:creationId xmlns:p14="http://schemas.microsoft.com/office/powerpoint/2010/main" val="2995176771"/>
+      </p:ext>
+    </p:extLst>
+  </p:cSld>
+  <p:clrMapOvr>
+    <a:masterClrMapping/>
+  </p:clrMapOvr>
+</p:sld>
+</file>
+
+<file path=ppt/slides/slide12.xml><?xml version="1.0" encoding="utf-8"?>
+<p:sld xmlns:a="http://schemas.openxmlformats.org/drawingml/2006/main" xmlns:r="http://schemas.openxmlformats.org/officeDocument/2006/relationships" xmlns:p="http://schemas.openxmlformats.org/presentationml/2006/main">
+  <p:cSld>
+    <p:spTree>
+      <p:nvGrpSpPr>
+        <p:cNvPr id="1" name=""/>
+        <p:cNvGrpSpPr/>
+        <p:nvPr/>
+      </p:nvGrpSpPr>
+      <p:grpSpPr>
+        <a:xfrm>
+          <a:off x="0" y="0"/>
+          <a:ext cx="0" cy="0"/>
+          <a:chOff x="0" y="0"/>
+          <a:chExt cx="0" cy="0"/>
+        </a:xfrm>
+      </p:grpSpPr>
+      <p:pic>
+        <p:nvPicPr>
+          <p:cNvPr id="2" name="Picture 1" descr="CollegeEmployment.png"/>
+          <p:cNvPicPr>
+            <a:picLocks noChangeAspect="1"/>
+          </p:cNvPicPr>
+          <p:nvPr/>
+        </p:nvPicPr>
+        <p:blipFill>
+          <a:blip r:embed="rId2">
+            <a:extLst>
+              <a:ext uri="{28A0092B-C50C-407E-A947-70E740481C1C}">
+                <a14:useLocalDpi xmlns:a14="http://schemas.microsoft.com/office/drawing/2010/main" val="0"/>
+              </a:ext>
+            </a:extLst>
+          </a:blip>
+          <a:stretch>
+            <a:fillRect/>
+          </a:stretch>
+        </p:blipFill>
+        <p:spPr>
+          <a:xfrm>
+            <a:off x="1374775" y="382516"/>
+            <a:ext cx="6388100" cy="5967484"/>
+          </a:xfrm>
+          <a:prstGeom prst="rect">
+            <a:avLst/>
+          </a:prstGeom>
+        </p:spPr>
+      </p:pic>
+    </p:spTree>
+    <p:extLst>
+      <p:ext uri="{BB962C8B-B14F-4D97-AF65-F5344CB8AC3E}">
+        <p14:creationId xmlns:p14="http://schemas.microsoft.com/office/powerpoint/2010/main" val="2425476002"/>
+      </p:ext>
+    </p:extLst>
+  </p:cSld>
+  <p:clrMapOvr>
+    <a:masterClrMapping/>
+  </p:clrMapOvr>
+</p:sld>
+</file>
+
+<file path=ppt/slides/slide13.xml><?xml version="1.0" encoding="utf-8"?>
+<p:sld xmlns:a="http://schemas.openxmlformats.org/drawingml/2006/main" xmlns:r="http://schemas.openxmlformats.org/officeDocument/2006/relationships" xmlns:p="http://schemas.openxmlformats.org/presentationml/2006/main">
+  <p:cSld>
+    <p:spTree>
+      <p:nvGrpSpPr>
+        <p:cNvPr id="1" name=""/>
+        <p:cNvGrpSpPr/>
+        <p:nvPr/>
+      </p:nvGrpSpPr>
+      <p:grpSpPr>
+        <a:xfrm>
+          <a:off x="0" y="0"/>
+          <a:ext cx="0" cy="0"/>
+          <a:chOff x="0" y="0"/>
+          <a:chExt cx="0" cy="0"/>
+        </a:xfrm>
+      </p:grpSpPr>
+      <p:sp>
+        <p:nvSpPr>
+          <p:cNvPr id="2" name="Title 1"/>
+          <p:cNvSpPr>
+            <a:spLocks noGrp="1"/>
+          </p:cNvSpPr>
+          <p:nvPr>
+            <p:ph type="title"/>
+          </p:nvPr>
+        </p:nvSpPr>
+        <p:spPr/>
+        <p:txBody>
+          <a:bodyPr/>
+          <a:lstStyle/>
+          <a:p>
+            <a:r>
+              <a:rPr lang="en-US" dirty="0">
+                <a:solidFill>
+                  <a:srgbClr val="C42321"/>
+                </a:solidFill>
+              </a:rPr>
+              <a:t>Average Doctorate Employment Rates</a:t>
+            </a:r>
+            <a:endParaRPr lang="en-US" dirty="0">
+              <a:solidFill>
+                <a:srgbClr val="C42321"/>
+              </a:solidFill>
+            </a:endParaRPr>
+          </a:p>
+        </p:txBody>
+      </p:sp>
+      <p:pic>
+        <p:nvPicPr>
+          <p:cNvPr id="3" name="Picture 2" descr="Screen Shot 2015-05-13 at 8.26.16 AM.png"/>
+          <p:cNvPicPr>
+            <a:picLocks noChangeAspect="1"/>
+          </p:cNvPicPr>
+          <p:nvPr/>
+        </p:nvPicPr>
+        <p:blipFill>
+          <a:blip r:embed="rId2">
+            <a:extLst>
+              <a:ext uri="{28A0092B-C50C-407E-A947-70E740481C1C}">
+                <a14:useLocalDpi xmlns:a14="http://schemas.microsoft.com/office/drawing/2010/main" val="0"/>
+              </a:ext>
+            </a:extLst>
+          </a:blip>
+          <a:stretch>
+            <a:fillRect/>
+          </a:stretch>
+        </p:blipFill>
+        <p:spPr>
+          <a:xfrm>
+            <a:off x="251114" y="1680220"/>
+            <a:ext cx="8604250" cy="4889144"/>
+          </a:xfrm>
+          <a:prstGeom prst="rect">
+            <a:avLst/>
+          </a:prstGeom>
+        </p:spPr>
+      </p:pic>
+    </p:spTree>
+    <p:extLst>
+      <p:ext uri="{BB962C8B-B14F-4D97-AF65-F5344CB8AC3E}">
+        <p14:creationId xmlns:p14="http://schemas.microsoft.com/office/powerpoint/2010/main" val="2391653068"/>
+      </p:ext>
+    </p:extLst>
+  </p:cSld>
+  <p:clrMapOvr>
+    <a:masterClrMapping/>
+  </p:clrMapOvr>
+</p:sld>
+</file>
+
+<file path=ppt/slides/slide14.xml><?xml version="1.0" encoding="utf-8"?>
+<p:sld xmlns:a="http://schemas.openxmlformats.org/drawingml/2006/main" xmlns:r="http://schemas.openxmlformats.org/officeDocument/2006/relationships" xmlns:p="http://schemas.openxmlformats.org/presentationml/2006/main">
+  <p:cSld>
+    <p:spTree>
+      <p:nvGrpSpPr>
+        <p:cNvPr id="1" name=""/>
+        <p:cNvGrpSpPr/>
+        <p:nvPr/>
+      </p:nvGrpSpPr>
+      <p:grpSpPr>
+        <a:xfrm>
+          <a:off x="0" y="0"/>
+          <a:ext cx="0" cy="0"/>
+          <a:chOff x="0" y="0"/>
+          <a:chExt cx="0" cy="0"/>
+        </a:xfrm>
+      </p:grpSpPr>
+      <p:pic>
+        <p:nvPicPr>
+          <p:cNvPr id="2" name="Picture 1" descr="DoctorateEmployment.png"/>
+          <p:cNvPicPr>
+            <a:picLocks noChangeAspect="1"/>
+          </p:cNvPicPr>
+          <p:nvPr/>
+        </p:nvPicPr>
+        <p:blipFill>
+          <a:blip r:embed="rId2">
+            <a:extLst>
+              <a:ext uri="{28A0092B-C50C-407E-A947-70E740481C1C}">
+                <a14:useLocalDpi xmlns:a14="http://schemas.microsoft.com/office/drawing/2010/main" val="0"/>
+              </a:ext>
+            </a:extLst>
+          </a:blip>
+          <a:stretch>
+            <a:fillRect/>
+          </a:stretch>
+        </p:blipFill>
+        <p:spPr>
+          <a:xfrm>
+            <a:off x="1510130" y="473075"/>
+            <a:ext cx="6172200" cy="5765800"/>
+          </a:xfrm>
+          <a:prstGeom prst="rect">
+            <a:avLst/>
+          </a:prstGeom>
+        </p:spPr>
+      </p:pic>
+    </p:spTree>
+    <p:extLst>
+      <p:ext uri="{BB962C8B-B14F-4D97-AF65-F5344CB8AC3E}">
+        <p14:creationId xmlns:p14="http://schemas.microsoft.com/office/powerpoint/2010/main" val="1775468199"/>
+      </p:ext>
+    </p:extLst>
+  </p:cSld>
+  <p:clrMapOvr>
+    <a:masterClrMapping/>
+  </p:clrMapOvr>
+</p:sld>
+</file>
+
+<file path=ppt/slides/slide15.xml><?xml version="1.0" encoding="utf-8"?>
+<p:sld xmlns:a="http://schemas.openxmlformats.org/drawingml/2006/main" xmlns:r="http://schemas.openxmlformats.org/officeDocument/2006/relationships" xmlns:p="http://schemas.openxmlformats.org/presentationml/2006/main">
+  <p:cSld>
+    <p:spTree>
+      <p:nvGrpSpPr>
+        <p:cNvPr id="1" name=""/>
+        <p:cNvGrpSpPr/>
+        <p:nvPr/>
+      </p:nvGrpSpPr>
+      <p:grpSpPr>
+        <a:xfrm>
+          <a:off x="0" y="0"/>
+          <a:ext cx="0" cy="0"/>
+          <a:chOff x="0" y="0"/>
+          <a:chExt cx="0" cy="0"/>
+        </a:xfrm>
+      </p:grpSpPr>
+      <p:pic>
+        <p:nvPicPr>
+          <p:cNvPr id="2" name="Picture 1" descr="Median Earnings Gender and School Level.png"/>
+          <p:cNvPicPr>
+            <a:picLocks noChangeAspect="1"/>
+          </p:cNvPicPr>
+          <p:nvPr/>
+        </p:nvPicPr>
+        <p:blipFill>
+          <a:blip r:embed="rId2">
+            <a:extLst>
+              <a:ext uri="{28A0092B-C50C-407E-A947-70E740481C1C}">
+                <a14:useLocalDpi xmlns:a14="http://schemas.microsoft.com/office/drawing/2010/main" val="0"/>
+              </a:ext>
+            </a:extLst>
+          </a:blip>
+          <a:stretch>
+            <a:fillRect/>
+          </a:stretch>
+        </p:blipFill>
+        <p:spPr>
+          <a:xfrm>
+            <a:off x="260517" y="1635125"/>
+            <a:ext cx="8613608" cy="3771639"/>
+          </a:xfrm>
+          <a:prstGeom prst="rect">
+            <a:avLst/>
+          </a:prstGeom>
+        </p:spPr>
+      </p:pic>
+    </p:spTree>
+    <p:extLst>
+      <p:ext uri="{BB962C8B-B14F-4D97-AF65-F5344CB8AC3E}">
+        <p14:creationId xmlns:p14="http://schemas.microsoft.com/office/powerpoint/2010/main" val="3537472741"/>
+      </p:ext>
+    </p:extLst>
+  </p:cSld>
+  <p:clrMapOvr>
+    <a:masterClrMapping/>
+  </p:clrMapOvr>
+</p:sld>
+</file>
+
+<file path=ppt/slides/slide16.xml><?xml version="1.0" encoding="utf-8"?>
+<p:sld xmlns:a="http://schemas.openxmlformats.org/drawingml/2006/main" xmlns:r="http://schemas.openxmlformats.org/officeDocument/2006/relationships" xmlns:p="http://schemas.openxmlformats.org/presentationml/2006/main">
+  <p:cSld>
+    <p:spTree>
+      <p:nvGrpSpPr>
+        <p:cNvPr id="1" name=""/>
+        <p:cNvGrpSpPr/>
+        <p:nvPr/>
+      </p:nvGrpSpPr>
+      <p:grpSpPr>
+        <a:xfrm>
+          <a:off x="0" y="0"/>
+          <a:ext cx="0" cy="0"/>
+          <a:chOff x="0" y="0"/>
+          <a:chExt cx="0" cy="0"/>
+        </a:xfrm>
+      </p:grpSpPr>
+      <p:pic>
+        <p:nvPicPr>
+          <p:cNvPr id="2" name="Picture 1" descr="Employment Percentage.png"/>
+          <p:cNvPicPr>
+            <a:picLocks noChangeAspect="1"/>
+          </p:cNvPicPr>
+          <p:nvPr/>
+        </p:nvPicPr>
+        <p:blipFill>
+          <a:blip r:embed="rId2">
+            <a:extLst>
+              <a:ext uri="{28A0092B-C50C-407E-A947-70E740481C1C}">
+                <a14:useLocalDpi xmlns:a14="http://schemas.microsoft.com/office/drawing/2010/main" val="0"/>
+              </a:ext>
+            </a:extLst>
+          </a:blip>
+          <a:stretch>
+            <a:fillRect/>
+          </a:stretch>
+        </p:blipFill>
+        <p:spPr>
+          <a:xfrm>
+            <a:off x="833520" y="314100"/>
+            <a:ext cx="7484979" cy="6337526"/>
+          </a:xfrm>
+          <a:prstGeom prst="rect">
+            <a:avLst/>
+          </a:prstGeom>
+        </p:spPr>
+      </p:pic>
+    </p:spTree>
+    <p:extLst>
+      <p:ext uri="{BB962C8B-B14F-4D97-AF65-F5344CB8AC3E}">
+        <p14:creationId xmlns:p14="http://schemas.microsoft.com/office/powerpoint/2010/main" val="1271014178"/>
+      </p:ext>
+    </p:extLst>
+  </p:cSld>
+  <p:clrMapOvr>
+    <a:masterClrMapping/>
+  </p:clrMapOvr>
+</p:sld>
+</file>
+
+<file path=ppt/slides/slide17.xml><?xml version="1.0" encoding="utf-8"?>
+<p:sld xmlns:a="http://schemas.openxmlformats.org/drawingml/2006/main" xmlns:r="http://schemas.openxmlformats.org/officeDocument/2006/relationships" xmlns:p="http://schemas.openxmlformats.org/presentationml/2006/main">
+  <p:cSld>
+    <p:spTree>
+      <p:nvGrpSpPr>
+        <p:cNvPr id="1" name=""/>
+        <p:cNvGrpSpPr/>
+        <p:nvPr/>
+      </p:nvGrpSpPr>
+      <p:grpSpPr>
+        <a:xfrm>
+          <a:off x="0" y="0"/>
+          <a:ext cx="0" cy="0"/>
+          <a:chOff x="0" y="0"/>
+          <a:chExt cx="0" cy="0"/>
+        </a:xfrm>
+      </p:grpSpPr>
+      <p:pic>
+        <p:nvPicPr>
           <p:cNvPr id="2" name="Picture 1" descr="College Grads Gender.png"/>
           <p:cNvPicPr>
             <a:picLocks noChangeAspect="1"/>
@@ -4416,7 +4959,7 @@
 </p:sld>
 </file>
 
-<file path=ppt/slides/slide11.xml><?xml version="1.0" encoding="utf-8"?>
+<file path=ppt/slides/slide18.xml><?xml version="1.0" encoding="utf-8"?>
 <p:sld xmlns:a="http://schemas.openxmlformats.org/drawingml/2006/main" xmlns:r="http://schemas.openxmlformats.org/officeDocument/2006/relationships" xmlns:p="http://schemas.openxmlformats.org/presentationml/2006/main">
   <p:cSld>
     <p:spTree>
@@ -4476,7 +5019,7 @@
 </p:sld>
 </file>
 
-<file path=ppt/slides/slide12.xml><?xml version="1.0" encoding="utf-8"?>
+<file path=ppt/slides/slide19.xml><?xml version="1.0" encoding="utf-8"?>
 <p:sld xmlns:a="http://schemas.openxmlformats.org/drawingml/2006/main" xmlns:r="http://schemas.openxmlformats.org/officeDocument/2006/relationships" xmlns:p="http://schemas.openxmlformats.org/presentationml/2006/main">
   <p:cSld>
     <p:spTree>
@@ -4536,7 +5079,231 @@
 </p:sld>
 </file>
 
-<file path=ppt/slides/slide13.xml><?xml version="1.0" encoding="utf-8"?>
+<file path=ppt/slides/slide2.xml><?xml version="1.0" encoding="utf-8"?>
+<p:sld xmlns:a="http://schemas.openxmlformats.org/drawingml/2006/main" xmlns:r="http://schemas.openxmlformats.org/officeDocument/2006/relationships" xmlns:p="http://schemas.openxmlformats.org/presentationml/2006/main">
+  <p:cSld>
+    <p:spTree>
+      <p:nvGrpSpPr>
+        <p:cNvPr id="1" name=""/>
+        <p:cNvGrpSpPr/>
+        <p:nvPr/>
+      </p:nvGrpSpPr>
+      <p:grpSpPr>
+        <a:xfrm>
+          <a:off x="0" y="0"/>
+          <a:ext cx="0" cy="0"/>
+          <a:chOff x="0" y="0"/>
+          <a:chExt cx="0" cy="0"/>
+        </a:xfrm>
+      </p:grpSpPr>
+      <p:sp>
+        <p:nvSpPr>
+          <p:cNvPr id="4" name="Title 3"/>
+          <p:cNvSpPr>
+            <a:spLocks noGrp="1"/>
+          </p:cNvSpPr>
+          <p:nvPr>
+            <p:ph type="title"/>
+          </p:nvPr>
+        </p:nvSpPr>
+        <p:spPr/>
+        <p:txBody>
+          <a:bodyPr/>
+          <a:lstStyle/>
+          <a:p>
+            <a:r>
+              <a:rPr lang="en-US" dirty="0" smtClean="0">
+                <a:solidFill>
+                  <a:srgbClr val="C42321"/>
+                </a:solidFill>
+              </a:rPr>
+              <a:t>Questions</a:t>
+            </a:r>
+            <a:endParaRPr lang="en-US" dirty="0">
+              <a:solidFill>
+                <a:srgbClr val="C42321"/>
+              </a:solidFill>
+            </a:endParaRPr>
+          </a:p>
+        </p:txBody>
+      </p:sp>
+      <p:sp>
+        <p:nvSpPr>
+          <p:cNvPr id="2" name="TextBox 1"/>
+          <p:cNvSpPr txBox="1"/>
+          <p:nvPr/>
+        </p:nvSpPr>
+        <p:spPr>
+          <a:xfrm>
+            <a:off x="138544" y="1627909"/>
+            <a:ext cx="8855365" cy="4185762"/>
+          </a:xfrm>
+          <a:prstGeom prst="rect">
+            <a:avLst/>
+          </a:prstGeom>
+          <a:noFill/>
+        </p:spPr>
+        <p:txBody>
+          <a:bodyPr wrap="square" rtlCol="0">
+            <a:spAutoFit/>
+          </a:bodyPr>
+          <a:lstStyle/>
+          <a:p>
+            <a:pPr marL="285750" indent="-285750">
+              <a:buSzPct val="100000"/>
+              <a:buBlip>
+                <a:blip r:embed="rId2"/>
+              </a:buBlip>
+            </a:pPr>
+            <a:endParaRPr lang="en-US" dirty="0" smtClean="0"/>
+          </a:p>
+          <a:p>
+            <a:pPr marL="285750" indent="-285750">
+              <a:buSzPct val="100000"/>
+              <a:buBlip>
+                <a:blip r:embed="rId2"/>
+              </a:buBlip>
+            </a:pPr>
+            <a:r>
+              <a:rPr lang="en-US" sz="2800" dirty="0" smtClean="0">
+                <a:solidFill>
+                  <a:srgbClr val="C42321"/>
+                </a:solidFill>
+              </a:rPr>
+              <a:t>?</a:t>
+            </a:r>
+          </a:p>
+          <a:p>
+            <a:pPr marL="285750" indent="-285750">
+              <a:buSzPct val="100000"/>
+              <a:buBlip>
+                <a:blip r:embed="rId2"/>
+              </a:buBlip>
+            </a:pPr>
+            <a:endParaRPr lang="en-US" sz="2800" dirty="0">
+              <a:solidFill>
+                <a:srgbClr val="C42321"/>
+              </a:solidFill>
+            </a:endParaRPr>
+          </a:p>
+          <a:p>
+            <a:pPr marL="285750" indent="-285750">
+              <a:buSzPct val="100000"/>
+              <a:buBlip>
+                <a:blip r:embed="rId2"/>
+              </a:buBlip>
+            </a:pPr>
+            <a:endParaRPr lang="en-US" sz="2800" dirty="0" smtClean="0">
+              <a:solidFill>
+                <a:srgbClr val="C42321"/>
+              </a:solidFill>
+            </a:endParaRPr>
+          </a:p>
+          <a:p>
+            <a:pPr marL="285750" indent="-285750">
+              <a:buSzPct val="100000"/>
+              <a:buBlip>
+                <a:blip r:embed="rId2"/>
+              </a:buBlip>
+            </a:pPr>
+            <a:endParaRPr lang="en-US" sz="2800" dirty="0">
+              <a:solidFill>
+                <a:srgbClr val="C42321"/>
+              </a:solidFill>
+            </a:endParaRPr>
+          </a:p>
+          <a:p>
+            <a:pPr marL="285750" indent="-285750">
+              <a:buSzPct val="100000"/>
+              <a:buBlip>
+                <a:blip r:embed="rId2"/>
+              </a:buBlip>
+            </a:pPr>
+            <a:r>
+              <a:rPr lang="en-US" sz="2800" dirty="0" smtClean="0">
+                <a:solidFill>
+                  <a:srgbClr val="C42321"/>
+                </a:solidFill>
+              </a:rPr>
+              <a:t>?</a:t>
+            </a:r>
+          </a:p>
+          <a:p>
+            <a:pPr marL="285750" indent="-285750">
+              <a:buSzPct val="100000"/>
+              <a:buBlip>
+                <a:blip r:embed="rId2"/>
+              </a:buBlip>
+            </a:pPr>
+            <a:endParaRPr lang="en-US" sz="2800" dirty="0">
+              <a:solidFill>
+                <a:srgbClr val="C42321"/>
+              </a:solidFill>
+            </a:endParaRPr>
+          </a:p>
+          <a:p>
+            <a:pPr marL="285750" indent="-285750">
+              <a:buSzPct val="100000"/>
+              <a:buBlip>
+                <a:blip r:embed="rId2"/>
+              </a:buBlip>
+            </a:pPr>
+            <a:endParaRPr lang="en-US" sz="2800" dirty="0" smtClean="0">
+              <a:solidFill>
+                <a:srgbClr val="C42321"/>
+              </a:solidFill>
+            </a:endParaRPr>
+          </a:p>
+          <a:p>
+            <a:pPr marL="285750" indent="-285750">
+              <a:buSzPct val="100000"/>
+              <a:buBlip>
+                <a:blip r:embed="rId2"/>
+              </a:buBlip>
+            </a:pPr>
+            <a:r>
+              <a:rPr lang="en-US" sz="2800">
+                <a:solidFill>
+                  <a:srgbClr val="C42321"/>
+                </a:solidFill>
+              </a:rPr>
+              <a:t>?</a:t>
+            </a:r>
+            <a:endParaRPr lang="en-US" sz="2800" dirty="0" smtClean="0">
+              <a:solidFill>
+                <a:srgbClr val="C42321"/>
+              </a:solidFill>
+            </a:endParaRPr>
+          </a:p>
+          <a:p>
+            <a:pPr marL="285750" indent="-285750">
+              <a:buSzPct val="100000"/>
+              <a:buBlip>
+                <a:blip r:embed="rId2"/>
+              </a:buBlip>
+            </a:pPr>
+            <a:endParaRPr lang="en-US" sz="2400" dirty="0">
+              <a:solidFill>
+                <a:srgbClr val="C42321"/>
+              </a:solidFill>
+            </a:endParaRPr>
+          </a:p>
+        </p:txBody>
+      </p:sp>
+    </p:spTree>
+    <p:extLst>
+      <p:ext uri="{BB962C8B-B14F-4D97-AF65-F5344CB8AC3E}">
+        <p14:creationId xmlns:p14="http://schemas.microsoft.com/office/powerpoint/2010/main" val="933518562"/>
+      </p:ext>
+    </p:extLst>
+  </p:cSld>
+  <p:clrMapOvr>
+    <a:masterClrMapping/>
+  </p:clrMapOvr>
+</p:sld>
+</file>
+
+<file path=ppt/slides/slide20.xml><?xml version="1.0" encoding="utf-8"?>
 <p:sld xmlns:a="http://schemas.openxmlformats.org/drawingml/2006/main" xmlns:r="http://schemas.openxmlformats.org/officeDocument/2006/relationships" xmlns:p="http://schemas.openxmlformats.org/presentationml/2006/main">
   <p:cSld>
     <p:spTree>
@@ -4596,7 +5363,7 @@
 </p:sld>
 </file>
 
-<file path=ppt/slides/slide14.xml><?xml version="1.0" encoding="utf-8"?>
+<file path=ppt/slides/slide21.xml><?xml version="1.0" encoding="utf-8"?>
 <p:sld xmlns:a="http://schemas.openxmlformats.org/drawingml/2006/main" xmlns:r="http://schemas.openxmlformats.org/officeDocument/2006/relationships" xmlns:p="http://schemas.openxmlformats.org/presentationml/2006/main">
   <p:cSld>
     <p:spTree>
@@ -4656,7 +5423,7 @@
 </p:sld>
 </file>
 
-<file path=ppt/slides/slide2.xml><?xml version="1.0" encoding="utf-8"?>
+<file path=ppt/slides/slide3.xml><?xml version="1.0" encoding="utf-8"?>
 <p:sld xmlns:a="http://schemas.openxmlformats.org/drawingml/2006/main" xmlns:r="http://schemas.openxmlformats.org/officeDocument/2006/relationships" xmlns:p="http://schemas.openxmlformats.org/presentationml/2006/main">
   <p:cSld>
     <p:spTree>
@@ -4673,9 +5440,38 @@
           <a:chExt cx="0" cy="0"/>
         </a:xfrm>
       </p:grpSpPr>
-      <p:sp>
-        <p:nvSpPr>
-          <p:cNvPr id="4" name="Title 3"/>
+      <p:pic>
+        <p:nvPicPr>
+          <p:cNvPr id="3" name="Picture 2" descr="Screen Shot 2015-05-13 at 7.49.12 AM.png"/>
+          <p:cNvPicPr>
+            <a:picLocks noChangeAspect="1"/>
+          </p:cNvPicPr>
+          <p:nvPr/>
+        </p:nvPicPr>
+        <p:blipFill rotWithShape="1">
+          <a:blip r:embed="rId2">
+            <a:extLst>
+              <a:ext uri="{28A0092B-C50C-407E-A947-70E740481C1C}">
+                <a14:useLocalDpi xmlns:a14="http://schemas.microsoft.com/office/drawing/2010/main" val="0"/>
+              </a:ext>
+            </a:extLst>
+          </a:blip>
+          <a:srcRect r="40656"/>
+          <a:stretch/>
+        </p:blipFill>
+        <p:spPr>
+          <a:xfrm>
+            <a:off x="611908" y="1964404"/>
+            <a:ext cx="7943273" cy="4273096"/>
+          </a:xfrm>
+          <a:prstGeom prst="rect">
+            <a:avLst/>
+          </a:prstGeom>
+        </p:spPr>
+      </p:pic>
+      <p:sp>
+        <p:nvSpPr>
+          <p:cNvPr id="5" name="Title 4"/>
           <p:cNvSpPr>
             <a:spLocks noGrp="1"/>
           </p:cNvSpPr>
@@ -4688,13 +5484,29 @@
           <a:bodyPr/>
           <a:lstStyle/>
           <a:p>
+            <a:r>
+              <a:rPr lang="en-US" dirty="0">
+                <a:solidFill>
+                  <a:srgbClr val="C42321"/>
+                </a:solidFill>
+              </a:rPr>
+              <a:t>Grad Earnings, by Gender and Median </a:t>
+            </a:r>
             <a:r>
               <a:rPr lang="en-US" dirty="0" smtClean="0">
                 <a:solidFill>
                   <a:srgbClr val="C42321"/>
                 </a:solidFill>
               </a:rPr>
-              <a:t>Questions</a:t>
+              <a:t>Earning </a:t>
+            </a:r>
+            <a:r>
+              <a:rPr lang="en-US" dirty="0" err="1" smtClean="0">
+                <a:solidFill>
+                  <a:srgbClr val="C42321"/>
+                </a:solidFill>
+              </a:rPr>
+              <a:t>dataframe</a:t>
             </a:r>
             <a:endParaRPr lang="en-US" dirty="0">
               <a:solidFill>
@@ -4704,173 +5516,10 @@
           </a:p>
         </p:txBody>
       </p:sp>
-      <p:sp>
-        <p:nvSpPr>
-          <p:cNvPr id="2" name="TextBox 1"/>
-          <p:cNvSpPr txBox="1"/>
-          <p:nvPr/>
-        </p:nvSpPr>
-        <p:spPr>
-          <a:xfrm>
-            <a:off x="138544" y="1627909"/>
-            <a:ext cx="8855365" cy="4185762"/>
-          </a:xfrm>
-          <a:prstGeom prst="rect">
-            <a:avLst/>
-          </a:prstGeom>
-          <a:noFill/>
-        </p:spPr>
-        <p:txBody>
-          <a:bodyPr wrap="square" rtlCol="0">
-            <a:spAutoFit/>
-          </a:bodyPr>
-          <a:lstStyle/>
-          <a:p>
-            <a:pPr marL="285750" indent="-285750">
-              <a:buSzPct val="100000"/>
-              <a:buBlip>
-                <a:blip r:embed="rId2"/>
-              </a:buBlip>
-            </a:pPr>
-            <a:endParaRPr lang="en-US" dirty="0" smtClean="0"/>
-          </a:p>
-          <a:p>
-            <a:pPr marL="285750" indent="-285750">
-              <a:buSzPct val="100000"/>
-              <a:buBlip>
-                <a:blip r:embed="rId2"/>
-              </a:buBlip>
-            </a:pPr>
-            <a:r>
-              <a:rPr lang="en-US" sz="2800" dirty="0" smtClean="0">
-                <a:solidFill>
-                  <a:srgbClr val="C42321"/>
-                </a:solidFill>
-              </a:rPr>
-              <a:t>?</a:t>
-            </a:r>
-          </a:p>
-          <a:p>
-            <a:pPr marL="285750" indent="-285750">
-              <a:buSzPct val="100000"/>
-              <a:buBlip>
-                <a:blip r:embed="rId2"/>
-              </a:buBlip>
-            </a:pPr>
-            <a:endParaRPr lang="en-US" sz="2800" dirty="0">
-              <a:solidFill>
-                <a:srgbClr val="C42321"/>
-              </a:solidFill>
-            </a:endParaRPr>
-          </a:p>
-          <a:p>
-            <a:pPr marL="285750" indent="-285750">
-              <a:buSzPct val="100000"/>
-              <a:buBlip>
-                <a:blip r:embed="rId2"/>
-              </a:buBlip>
-            </a:pPr>
-            <a:endParaRPr lang="en-US" sz="2800" dirty="0" smtClean="0">
-              <a:solidFill>
-                <a:srgbClr val="C42321"/>
-              </a:solidFill>
-            </a:endParaRPr>
-          </a:p>
-          <a:p>
-            <a:pPr marL="285750" indent="-285750">
-              <a:buSzPct val="100000"/>
-              <a:buBlip>
-                <a:blip r:embed="rId2"/>
-              </a:buBlip>
-            </a:pPr>
-            <a:endParaRPr lang="en-US" sz="2800" dirty="0">
-              <a:solidFill>
-                <a:srgbClr val="C42321"/>
-              </a:solidFill>
-            </a:endParaRPr>
-          </a:p>
-          <a:p>
-            <a:pPr marL="285750" indent="-285750">
-              <a:buSzPct val="100000"/>
-              <a:buBlip>
-                <a:blip r:embed="rId2"/>
-              </a:buBlip>
-            </a:pPr>
-            <a:r>
-              <a:rPr lang="en-US" sz="2800" dirty="0" smtClean="0">
-                <a:solidFill>
-                  <a:srgbClr val="C42321"/>
-                </a:solidFill>
-              </a:rPr>
-              <a:t>?</a:t>
-            </a:r>
-          </a:p>
-          <a:p>
-            <a:pPr marL="285750" indent="-285750">
-              <a:buSzPct val="100000"/>
-              <a:buBlip>
-                <a:blip r:embed="rId2"/>
-              </a:buBlip>
-            </a:pPr>
-            <a:endParaRPr lang="en-US" sz="2800" dirty="0">
-              <a:solidFill>
-                <a:srgbClr val="C42321"/>
-              </a:solidFill>
-            </a:endParaRPr>
-          </a:p>
-          <a:p>
-            <a:pPr marL="285750" indent="-285750">
-              <a:buSzPct val="100000"/>
-              <a:buBlip>
-                <a:blip r:embed="rId2"/>
-              </a:buBlip>
-            </a:pPr>
-            <a:endParaRPr lang="en-US" sz="2800" dirty="0" smtClean="0">
-              <a:solidFill>
-                <a:srgbClr val="C42321"/>
-              </a:solidFill>
-            </a:endParaRPr>
-          </a:p>
-          <a:p>
-            <a:pPr marL="285750" indent="-285750">
-              <a:buSzPct val="100000"/>
-              <a:buBlip>
-                <a:blip r:embed="rId2"/>
-              </a:buBlip>
-            </a:pPr>
-            <a:r>
-              <a:rPr lang="en-US" sz="2800">
-                <a:solidFill>
-                  <a:srgbClr val="C42321"/>
-                </a:solidFill>
-              </a:rPr>
-              <a:t>?</a:t>
-            </a:r>
-            <a:endParaRPr lang="en-US" sz="2800" dirty="0" smtClean="0">
-              <a:solidFill>
-                <a:srgbClr val="C42321"/>
-              </a:solidFill>
-            </a:endParaRPr>
-          </a:p>
-          <a:p>
-            <a:pPr marL="285750" indent="-285750">
-              <a:buSzPct val="100000"/>
-              <a:buBlip>
-                <a:blip r:embed="rId2"/>
-              </a:buBlip>
-            </a:pPr>
-            <a:endParaRPr lang="en-US" sz="2400" dirty="0">
-              <a:solidFill>
-                <a:srgbClr val="C42321"/>
-              </a:solidFill>
-            </a:endParaRPr>
-          </a:p>
-        </p:txBody>
-      </p:sp>
     </p:spTree>
     <p:extLst>
       <p:ext uri="{BB962C8B-B14F-4D97-AF65-F5344CB8AC3E}">
-        <p14:creationId xmlns:p14="http://schemas.microsoft.com/office/powerpoint/2010/main" val="933518562"/>
+        <p14:creationId xmlns:p14="http://schemas.microsoft.com/office/powerpoint/2010/main" val="4181052706"/>
       </p:ext>
     </p:extLst>
   </p:cSld>
@@ -4880,7 +5529,105 @@
 </p:sld>
 </file>
 
-<file path=ppt/slides/slide3.xml><?xml version="1.0" encoding="utf-8"?>
+<file path=ppt/slides/slide4.xml><?xml version="1.0" encoding="utf-8"?>
+<p:sld xmlns:a="http://schemas.openxmlformats.org/drawingml/2006/main" xmlns:r="http://schemas.openxmlformats.org/officeDocument/2006/relationships" xmlns:p="http://schemas.openxmlformats.org/presentationml/2006/main">
+  <p:cSld>
+    <p:spTree>
+      <p:nvGrpSpPr>
+        <p:cNvPr id="1" name=""/>
+        <p:cNvGrpSpPr/>
+        <p:nvPr/>
+      </p:nvGrpSpPr>
+      <p:grpSpPr>
+        <a:xfrm>
+          <a:off x="0" y="0"/>
+          <a:ext cx="0" cy="0"/>
+          <a:chOff x="0" y="0"/>
+          <a:chExt cx="0" cy="0"/>
+        </a:xfrm>
+      </p:grpSpPr>
+      <p:sp>
+        <p:nvSpPr>
+          <p:cNvPr id="3" name="Title 2"/>
+          <p:cNvSpPr>
+            <a:spLocks noGrp="1"/>
+          </p:cNvSpPr>
+          <p:nvPr>
+            <p:ph type="title"/>
+          </p:nvPr>
+        </p:nvSpPr>
+        <p:spPr/>
+        <p:txBody>
+          <a:bodyPr/>
+          <a:lstStyle/>
+          <a:p>
+            <a:r>
+              <a:rPr lang="en-US" dirty="0">
+                <a:solidFill>
+                  <a:srgbClr val="C42321"/>
+                </a:solidFill>
+              </a:rPr>
+              <a:t>Average Doctorate </a:t>
+            </a:r>
+            <a:r>
+              <a:rPr lang="en-US" dirty="0" smtClean="0">
+                <a:solidFill>
+                  <a:srgbClr val="C42321"/>
+                </a:solidFill>
+              </a:rPr>
+              <a:t>earnings dataset</a:t>
+            </a:r>
+            <a:endParaRPr lang="en-US" dirty="0">
+              <a:solidFill>
+                <a:srgbClr val="C42321"/>
+              </a:solidFill>
+            </a:endParaRPr>
+          </a:p>
+        </p:txBody>
+      </p:sp>
+      <p:pic>
+        <p:nvPicPr>
+          <p:cNvPr id="5" name="Picture 4" descr="Screen Shot 2015-05-13 at 7.50.26 AM.png"/>
+          <p:cNvPicPr>
+            <a:picLocks noChangeAspect="1"/>
+          </p:cNvPicPr>
+          <p:nvPr/>
+        </p:nvPicPr>
+        <p:blipFill rotWithShape="1">
+          <a:blip r:embed="rId2">
+            <a:extLst>
+              <a:ext uri="{28A0092B-C50C-407E-A947-70E740481C1C}">
+                <a14:useLocalDpi xmlns:a14="http://schemas.microsoft.com/office/drawing/2010/main" val="0"/>
+              </a:ext>
+            </a:extLst>
+          </a:blip>
+          <a:srcRect r="52904"/>
+          <a:stretch/>
+        </p:blipFill>
+        <p:spPr>
+          <a:xfrm>
+            <a:off x="1212272" y="1789545"/>
+            <a:ext cx="6781763" cy="4652034"/>
+          </a:xfrm>
+          <a:prstGeom prst="rect">
+            <a:avLst/>
+          </a:prstGeom>
+        </p:spPr>
+      </p:pic>
+    </p:spTree>
+    <p:extLst>
+      <p:ext uri="{BB962C8B-B14F-4D97-AF65-F5344CB8AC3E}">
+        <p14:creationId xmlns:p14="http://schemas.microsoft.com/office/powerpoint/2010/main" val="1356286731"/>
+      </p:ext>
+    </p:extLst>
+  </p:cSld>
+  <p:clrMapOvr>
+    <a:masterClrMapping/>
+  </p:clrMapOvr>
+</p:sld>
+</file>
+
+<file path=ppt/slides/slide5.xml><?xml version="1.0" encoding="utf-8"?>
 <p:sld xmlns:a="http://schemas.openxmlformats.org/drawingml/2006/main" xmlns:r="http://schemas.openxmlformats.org/officeDocument/2006/relationships" xmlns:p="http://schemas.openxmlformats.org/presentationml/2006/main">
   <p:cSld>
     <p:spTree>
@@ -4940,7 +5687,97 @@
 </p:sld>
 </file>
 
-<file path=ppt/slides/slide4.xml><?xml version="1.0" encoding="utf-8"?>
+<file path=ppt/slides/slide6.xml><?xml version="1.0" encoding="utf-8"?>
+<p:sld xmlns:a="http://schemas.openxmlformats.org/drawingml/2006/main" xmlns:r="http://schemas.openxmlformats.org/officeDocument/2006/relationships" xmlns:p="http://schemas.openxmlformats.org/presentationml/2006/main">
+  <p:cSld>
+    <p:spTree>
+      <p:nvGrpSpPr>
+        <p:cNvPr id="1" name=""/>
+        <p:cNvGrpSpPr/>
+        <p:nvPr/>
+      </p:nvGrpSpPr>
+      <p:grpSpPr>
+        <a:xfrm>
+          <a:off x="0" y="0"/>
+          <a:ext cx="0" cy="0"/>
+          <a:chOff x="0" y="0"/>
+          <a:chExt cx="0" cy="0"/>
+        </a:xfrm>
+      </p:grpSpPr>
+      <p:pic>
+        <p:nvPicPr>
+          <p:cNvPr id="2" name="Picture 1" descr="Screen Shot 2015-05-13 at 7.50.35 AM.png"/>
+          <p:cNvPicPr>
+            <a:picLocks noChangeAspect="1"/>
+          </p:cNvPicPr>
+          <p:nvPr/>
+        </p:nvPicPr>
+        <p:blipFill rotWithShape="1">
+          <a:blip r:embed="rId2">
+            <a:extLst>
+              <a:ext uri="{28A0092B-C50C-407E-A947-70E740481C1C}">
+                <a14:useLocalDpi xmlns:a14="http://schemas.microsoft.com/office/drawing/2010/main" val="0"/>
+              </a:ext>
+            </a:extLst>
+          </a:blip>
+          <a:srcRect r="53409"/>
+          <a:stretch/>
+        </p:blipFill>
+        <p:spPr>
+          <a:xfrm>
+            <a:off x="1327727" y="1752117"/>
+            <a:ext cx="6373091" cy="4204402"/>
+          </a:xfrm>
+          <a:prstGeom prst="rect">
+            <a:avLst/>
+          </a:prstGeom>
+        </p:spPr>
+      </p:pic>
+      <p:sp>
+        <p:nvSpPr>
+          <p:cNvPr id="5" name="Title 4"/>
+          <p:cNvSpPr>
+            <a:spLocks noGrp="1"/>
+          </p:cNvSpPr>
+          <p:nvPr>
+            <p:ph type="title"/>
+          </p:nvPr>
+        </p:nvSpPr>
+        <p:spPr/>
+        <p:txBody>
+          <a:bodyPr/>
+          <a:lstStyle/>
+          <a:p>
+            <a:r>
+              <a:rPr lang="en-US" dirty="0" smtClean="0">
+                <a:solidFill>
+                  <a:srgbClr val="C42321"/>
+                </a:solidFill>
+              </a:rPr>
+              <a:t>Average college graduate earnings dataset</a:t>
+            </a:r>
+            <a:endParaRPr lang="en-US" dirty="0">
+              <a:solidFill>
+                <a:srgbClr val="C42321"/>
+              </a:solidFill>
+            </a:endParaRPr>
+          </a:p>
+        </p:txBody>
+      </p:sp>
+    </p:spTree>
+    <p:extLst>
+      <p:ext uri="{BB962C8B-B14F-4D97-AF65-F5344CB8AC3E}">
+        <p14:creationId xmlns:p14="http://schemas.microsoft.com/office/powerpoint/2010/main" val="3476013687"/>
+      </p:ext>
+    </p:extLst>
+  </p:cSld>
+  <p:clrMapOvr>
+    <a:masterClrMapping/>
+  </p:clrMapOvr>
+</p:sld>
+</file>
+
+<file path=ppt/slides/slide7.xml><?xml version="1.0" encoding="utf-8"?>
 <p:sld xmlns:a="http://schemas.openxmlformats.org/drawingml/2006/main" xmlns:r="http://schemas.openxmlformats.org/officeDocument/2006/relationships" xmlns:p="http://schemas.openxmlformats.org/presentationml/2006/main">
   <p:cSld>
     <p:spTree>
@@ -5000,7 +5837,105 @@
 </p:sld>
 </file>
 
-<file path=ppt/slides/slide5.xml><?xml version="1.0" encoding="utf-8"?>
+<file path=ppt/slides/slide8.xml><?xml version="1.0" encoding="utf-8"?>
+<p:sld xmlns:a="http://schemas.openxmlformats.org/drawingml/2006/main" xmlns:r="http://schemas.openxmlformats.org/officeDocument/2006/relationships" xmlns:p="http://schemas.openxmlformats.org/presentationml/2006/main">
+  <p:cSld>
+    <p:spTree>
+      <p:nvGrpSpPr>
+        <p:cNvPr id="1" name=""/>
+        <p:cNvGrpSpPr/>
+        <p:nvPr/>
+      </p:nvGrpSpPr>
+      <p:grpSpPr>
+        <a:xfrm>
+          <a:off x="0" y="0"/>
+          <a:ext cx="0" cy="0"/>
+          <a:chOff x="0" y="0"/>
+          <a:chExt cx="0" cy="0"/>
+        </a:xfrm>
+      </p:grpSpPr>
+      <p:pic>
+        <p:nvPicPr>
+          <p:cNvPr id="2" name="Picture 1" descr="Screen Shot 2015-05-13 at 7.50.45 AM.png"/>
+          <p:cNvPicPr>
+            <a:picLocks noChangeAspect="1"/>
+          </p:cNvPicPr>
+          <p:nvPr/>
+        </p:nvPicPr>
+        <p:blipFill rotWithShape="1">
+          <a:blip r:embed="rId2">
+            <a:extLst>
+              <a:ext uri="{28A0092B-C50C-407E-A947-70E740481C1C}">
+                <a14:useLocalDpi xmlns:a14="http://schemas.microsoft.com/office/drawing/2010/main" val="0"/>
+              </a:ext>
+            </a:extLst>
+          </a:blip>
+          <a:srcRect r="50126"/>
+          <a:stretch/>
+        </p:blipFill>
+        <p:spPr>
+          <a:xfrm>
+            <a:off x="819728" y="1720175"/>
+            <a:ext cx="7547385" cy="4745280"/>
+          </a:xfrm>
+          <a:prstGeom prst="rect">
+            <a:avLst/>
+          </a:prstGeom>
+        </p:spPr>
+      </p:pic>
+      <p:sp>
+        <p:nvSpPr>
+          <p:cNvPr id="3" name="Title 2"/>
+          <p:cNvSpPr>
+            <a:spLocks noGrp="1"/>
+          </p:cNvSpPr>
+          <p:nvPr>
+            <p:ph type="title"/>
+          </p:nvPr>
+        </p:nvSpPr>
+        <p:spPr/>
+        <p:txBody>
+          <a:bodyPr/>
+          <a:lstStyle/>
+          <a:p>
+            <a:r>
+              <a:rPr lang="en-US" sz="2800" dirty="0" smtClean="0">
+                <a:solidFill>
+                  <a:srgbClr val="C42321"/>
+                </a:solidFill>
+              </a:rPr>
+              <a:t>Grad Debt, by Averages and Percentages of Grads who have Paid Off </a:t>
+            </a:r>
+            <a:r>
+              <a:rPr lang="en-US" sz="2800" dirty="0" err="1" smtClean="0">
+                <a:solidFill>
+                  <a:srgbClr val="C42321"/>
+                </a:solidFill>
+              </a:rPr>
+              <a:t>dataframe</a:t>
+            </a:r>
+            <a:endParaRPr lang="en-US" sz="2800" dirty="0">
+              <a:solidFill>
+                <a:srgbClr val="C42321"/>
+              </a:solidFill>
+            </a:endParaRPr>
+          </a:p>
+        </p:txBody>
+      </p:sp>
+    </p:spTree>
+    <p:extLst>
+      <p:ext uri="{BB962C8B-B14F-4D97-AF65-F5344CB8AC3E}">
+        <p14:creationId xmlns:p14="http://schemas.microsoft.com/office/powerpoint/2010/main" val="977876243"/>
+      </p:ext>
+    </p:extLst>
+  </p:cSld>
+  <p:clrMapOvr>
+    <a:masterClrMapping/>
+  </p:clrMapOvr>
+</p:sld>
+</file>
+
+<file path=ppt/slides/slide9.xml><?xml version="1.0" encoding="utf-8"?>
 <p:sld xmlns:a="http://schemas.openxmlformats.org/drawingml/2006/main" xmlns:r="http://schemas.openxmlformats.org/officeDocument/2006/relationships" xmlns:p="http://schemas.openxmlformats.org/presentationml/2006/main">
   <p:cSld>
     <p:spTree>
@@ -5051,246 +5986,6 @@
     <p:extLst>
       <p:ext uri="{BB962C8B-B14F-4D97-AF65-F5344CB8AC3E}">
         <p14:creationId xmlns:p14="http://schemas.microsoft.com/office/powerpoint/2010/main" val="1815307458"/>
-      </p:ext>
-    </p:extLst>
-  </p:cSld>
-  <p:clrMapOvr>
-    <a:masterClrMapping/>
-  </p:clrMapOvr>
-</p:sld>
-</file>
-
-<file path=ppt/slides/slide6.xml><?xml version="1.0" encoding="utf-8"?>
-<p:sld xmlns:a="http://schemas.openxmlformats.org/drawingml/2006/main" xmlns:r="http://schemas.openxmlformats.org/officeDocument/2006/relationships" xmlns:p="http://schemas.openxmlformats.org/presentationml/2006/main">
-  <p:cSld>
-    <p:spTree>
-      <p:nvGrpSpPr>
-        <p:cNvPr id="1" name=""/>
-        <p:cNvGrpSpPr/>
-        <p:nvPr/>
-      </p:nvGrpSpPr>
-      <p:grpSpPr>
-        <a:xfrm>
-          <a:off x="0" y="0"/>
-          <a:ext cx="0" cy="0"/>
-          <a:chOff x="0" y="0"/>
-          <a:chExt cx="0" cy="0"/>
-        </a:xfrm>
-      </p:grpSpPr>
-      <p:pic>
-        <p:nvPicPr>
-          <p:cNvPr id="2" name="Picture 1" descr="CollegeEmployment.png"/>
-          <p:cNvPicPr>
-            <a:picLocks noChangeAspect="1"/>
-          </p:cNvPicPr>
-          <p:nvPr/>
-        </p:nvPicPr>
-        <p:blipFill>
-          <a:blip r:embed="rId2">
-            <a:extLst>
-              <a:ext uri="{28A0092B-C50C-407E-A947-70E740481C1C}">
-                <a14:useLocalDpi xmlns:a14="http://schemas.microsoft.com/office/drawing/2010/main" val="0"/>
-              </a:ext>
-            </a:extLst>
-          </a:blip>
-          <a:stretch>
-            <a:fillRect/>
-          </a:stretch>
-        </p:blipFill>
-        <p:spPr>
-          <a:xfrm>
-            <a:off x="1374775" y="382516"/>
-            <a:ext cx="6388100" cy="5967484"/>
-          </a:xfrm>
-          <a:prstGeom prst="rect">
-            <a:avLst/>
-          </a:prstGeom>
-        </p:spPr>
-      </p:pic>
-    </p:spTree>
-    <p:extLst>
-      <p:ext uri="{BB962C8B-B14F-4D97-AF65-F5344CB8AC3E}">
-        <p14:creationId xmlns:p14="http://schemas.microsoft.com/office/powerpoint/2010/main" val="2425476002"/>
-      </p:ext>
-    </p:extLst>
-  </p:cSld>
-  <p:clrMapOvr>
-    <a:masterClrMapping/>
-  </p:clrMapOvr>
-</p:sld>
-</file>
-
-<file path=ppt/slides/slide7.xml><?xml version="1.0" encoding="utf-8"?>
-<p:sld xmlns:a="http://schemas.openxmlformats.org/drawingml/2006/main" xmlns:r="http://schemas.openxmlformats.org/officeDocument/2006/relationships" xmlns:p="http://schemas.openxmlformats.org/presentationml/2006/main">
-  <p:cSld>
-    <p:spTree>
-      <p:nvGrpSpPr>
-        <p:cNvPr id="1" name=""/>
-        <p:cNvGrpSpPr/>
-        <p:nvPr/>
-      </p:nvGrpSpPr>
-      <p:grpSpPr>
-        <a:xfrm>
-          <a:off x="0" y="0"/>
-          <a:ext cx="0" cy="0"/>
-          <a:chOff x="0" y="0"/>
-          <a:chExt cx="0" cy="0"/>
-        </a:xfrm>
-      </p:grpSpPr>
-      <p:pic>
-        <p:nvPicPr>
-          <p:cNvPr id="2" name="Picture 1" descr="DoctorateEmployment.png"/>
-          <p:cNvPicPr>
-            <a:picLocks noChangeAspect="1"/>
-          </p:cNvPicPr>
-          <p:nvPr/>
-        </p:nvPicPr>
-        <p:blipFill>
-          <a:blip r:embed="rId2">
-            <a:extLst>
-              <a:ext uri="{28A0092B-C50C-407E-A947-70E740481C1C}">
-                <a14:useLocalDpi xmlns:a14="http://schemas.microsoft.com/office/drawing/2010/main" val="0"/>
-              </a:ext>
-            </a:extLst>
-          </a:blip>
-          <a:stretch>
-            <a:fillRect/>
-          </a:stretch>
-        </p:blipFill>
-        <p:spPr>
-          <a:xfrm>
-            <a:off x="1510130" y="473075"/>
-            <a:ext cx="6172200" cy="5765800"/>
-          </a:xfrm>
-          <a:prstGeom prst="rect">
-            <a:avLst/>
-          </a:prstGeom>
-        </p:spPr>
-      </p:pic>
-    </p:spTree>
-    <p:extLst>
-      <p:ext uri="{BB962C8B-B14F-4D97-AF65-F5344CB8AC3E}">
-        <p14:creationId xmlns:p14="http://schemas.microsoft.com/office/powerpoint/2010/main" val="1775468199"/>
-      </p:ext>
-    </p:extLst>
-  </p:cSld>
-  <p:clrMapOvr>
-    <a:masterClrMapping/>
-  </p:clrMapOvr>
-</p:sld>
-</file>
-
-<file path=ppt/slides/slide8.xml><?xml version="1.0" encoding="utf-8"?>
-<p:sld xmlns:a="http://schemas.openxmlformats.org/drawingml/2006/main" xmlns:r="http://schemas.openxmlformats.org/officeDocument/2006/relationships" xmlns:p="http://schemas.openxmlformats.org/presentationml/2006/main">
-  <p:cSld>
-    <p:spTree>
-      <p:nvGrpSpPr>
-        <p:cNvPr id="1" name=""/>
-        <p:cNvGrpSpPr/>
-        <p:nvPr/>
-      </p:nvGrpSpPr>
-      <p:grpSpPr>
-        <a:xfrm>
-          <a:off x="0" y="0"/>
-          <a:ext cx="0" cy="0"/>
-          <a:chOff x="0" y="0"/>
-          <a:chExt cx="0" cy="0"/>
-        </a:xfrm>
-      </p:grpSpPr>
-      <p:pic>
-        <p:nvPicPr>
-          <p:cNvPr id="2" name="Picture 1" descr="Median Earnings Gender and School Level.png"/>
-          <p:cNvPicPr>
-            <a:picLocks noChangeAspect="1"/>
-          </p:cNvPicPr>
-          <p:nvPr/>
-        </p:nvPicPr>
-        <p:blipFill>
-          <a:blip r:embed="rId2">
-            <a:extLst>
-              <a:ext uri="{28A0092B-C50C-407E-A947-70E740481C1C}">
-                <a14:useLocalDpi xmlns:a14="http://schemas.microsoft.com/office/drawing/2010/main" val="0"/>
-              </a:ext>
-            </a:extLst>
-          </a:blip>
-          <a:stretch>
-            <a:fillRect/>
-          </a:stretch>
-        </p:blipFill>
-        <p:spPr>
-          <a:xfrm>
-            <a:off x="260517" y="1635125"/>
-            <a:ext cx="8613608" cy="3771639"/>
-          </a:xfrm>
-          <a:prstGeom prst="rect">
-            <a:avLst/>
-          </a:prstGeom>
-        </p:spPr>
-      </p:pic>
-    </p:spTree>
-    <p:extLst>
-      <p:ext uri="{BB962C8B-B14F-4D97-AF65-F5344CB8AC3E}">
-        <p14:creationId xmlns:p14="http://schemas.microsoft.com/office/powerpoint/2010/main" val="3537472741"/>
-      </p:ext>
-    </p:extLst>
-  </p:cSld>
-  <p:clrMapOvr>
-    <a:masterClrMapping/>
-  </p:clrMapOvr>
-</p:sld>
-</file>
-
-<file path=ppt/slides/slide9.xml><?xml version="1.0" encoding="utf-8"?>
-<p:sld xmlns:a="http://schemas.openxmlformats.org/drawingml/2006/main" xmlns:r="http://schemas.openxmlformats.org/officeDocument/2006/relationships" xmlns:p="http://schemas.openxmlformats.org/presentationml/2006/main">
-  <p:cSld>
-    <p:spTree>
-      <p:nvGrpSpPr>
-        <p:cNvPr id="1" name=""/>
-        <p:cNvGrpSpPr/>
-        <p:nvPr/>
-      </p:nvGrpSpPr>
-      <p:grpSpPr>
-        <a:xfrm>
-          <a:off x="0" y="0"/>
-          <a:ext cx="0" cy="0"/>
-          <a:chOff x="0" y="0"/>
-          <a:chExt cx="0" cy="0"/>
-        </a:xfrm>
-      </p:grpSpPr>
-      <p:pic>
-        <p:nvPicPr>
-          <p:cNvPr id="2" name="Picture 1" descr="Employment Percentage.png"/>
-          <p:cNvPicPr>
-            <a:picLocks noChangeAspect="1"/>
-          </p:cNvPicPr>
-          <p:nvPr/>
-        </p:nvPicPr>
-        <p:blipFill>
-          <a:blip r:embed="rId2">
-            <a:extLst>
-              <a:ext uri="{28A0092B-C50C-407E-A947-70E740481C1C}">
-                <a14:useLocalDpi xmlns:a14="http://schemas.microsoft.com/office/drawing/2010/main" val="0"/>
-              </a:ext>
-            </a:extLst>
-          </a:blip>
-          <a:stretch>
-            <a:fillRect/>
-          </a:stretch>
-        </p:blipFill>
-        <p:spPr>
-          <a:xfrm>
-            <a:off x="833520" y="314100"/>
-            <a:ext cx="7484979" cy="6337526"/>
-          </a:xfrm>
-          <a:prstGeom prst="rect">
-            <a:avLst/>
-          </a:prstGeom>
-        </p:spPr>
-      </p:pic>
-    </p:spTree>
-    <p:extLst>
-      <p:ext uri="{BB962C8B-B14F-4D97-AF65-F5344CB8AC3E}">
-        <p14:creationId xmlns:p14="http://schemas.microsoft.com/office/powerpoint/2010/main" val="1271014178"/>
       </p:ext>
     </p:extLst>
   </p:cSld>
